--- a/Unit 2 Project.pptx
+++ b/Unit 2 Project.pptx
@@ -11466,7 +11466,7 @@
             </a:br>
             <a:r>
               <a:rPr lang="en" dirty="0"/>
-              <a:t>Unit 1</a:t>
+              <a:t>Unit 2</a:t>
             </a:r>
             <a:endParaRPr dirty="0"/>
           </a:p>
@@ -11508,7 +11508,7 @@
             </a:pPr>
             <a:r>
               <a:rPr lang="en" dirty="0"/>
-              <a:t>7 April 2025</a:t>
+              <a:t>30 April 2025</a:t>
             </a:r>
             <a:endParaRPr dirty="0"/>
           </a:p>
@@ -11586,7 +11586,7 @@
                 <a:cs typeface="Besley Medium"/>
                 <a:sym typeface="Besley Medium"/>
               </a:rPr>
-              <a:t>Just Math It</a:t>
+              <a:t>Big Four of Europe</a:t>
             </a:r>
             <a:br>
               <a:rPr lang="en" sz="2700" dirty="0">
@@ -11629,16 +11629,8 @@
                 <a:cs typeface="Besley Medium"/>
                 <a:sym typeface="Besley Medium"/>
               </a:rPr>
-              <a:t>The inspiration behind this game was to instill the interest of maths and basic computer skills in young children by incorporating simple maths equations with handling of keypad/mouse.</a:t>
+              <a:t>The content of this app is mainly based on the football leagues of the ‘Big Four’. Using data from a football API, standings and statistics are displayed on this app based on the selected season.</a:t>
             </a:r>
-            <a:br>
-              <a:rPr lang="en" sz="2400" dirty="0">
-                <a:latin typeface="Besley Medium"/>
-                <a:ea typeface="Besley Medium"/>
-                <a:cs typeface="Besley Medium"/>
-                <a:sym typeface="Besley Medium"/>
-              </a:rPr>
-            </a:br>
             <a:br>
               <a:rPr lang="en" sz="2400" dirty="0">
                 <a:latin typeface="Besley Medium"/>
@@ -11735,7 +11727,7 @@
         </p:nvSpPr>
         <p:spPr>
           <a:xfrm>
-            <a:off x="457200" y="414615"/>
+            <a:off x="457200" y="251064"/>
             <a:ext cx="8229600" cy="572700"/>
           </a:xfrm>
           <a:prstGeom prst="rect">
@@ -11831,7 +11823,7 @@
         </p:nvSpPr>
         <p:spPr>
           <a:xfrm>
-            <a:off x="297366" y="987315"/>
+            <a:off x="319669" y="863550"/>
             <a:ext cx="5884200" cy="3416400"/>
           </a:xfrm>
           <a:prstGeom prst="rect">
@@ -12101,18 +12093,7 @@
                   <a:schemeClr val="accent1"/>
                 </a:solidFill>
               </a:rPr>
-              <a:t>JavaScript</a:t>
-            </a:r>
-          </a:p>
-          <a:p>
-            <a:pPr marL="285750" indent="-285750"/>
-            <a:r>
-              <a:rPr lang="en-US" sz="2800" b="1" dirty="0">
-                <a:solidFill>
-                  <a:schemeClr val="accent1"/>
-                </a:solidFill>
-              </a:rPr>
-              <a:t>HTML</a:t>
+              <a:t>React</a:t>
             </a:r>
           </a:p>
           <a:p>
@@ -12124,6 +12105,55 @@
                 </a:solidFill>
               </a:rPr>
               <a:t>CSS</a:t>
+            </a:r>
+          </a:p>
+          <a:p>
+            <a:pPr marL="285750" indent="-285750"/>
+            <a:r>
+              <a:rPr lang="en-US" sz="2800" b="1" dirty="0" err="1">
+                <a:solidFill>
+                  <a:schemeClr val="accent1"/>
+                </a:solidFill>
+              </a:rPr>
+              <a:t>Airtable</a:t>
+            </a:r>
+            <a:endParaRPr lang="en-US" sz="2800" b="1" dirty="0">
+              <a:solidFill>
+                <a:schemeClr val="accent1"/>
+              </a:solidFill>
+            </a:endParaRPr>
+          </a:p>
+          <a:p>
+            <a:pPr marL="285750" indent="-285750"/>
+            <a:r>
+              <a:rPr lang="en-US" sz="2800" b="1" dirty="0">
+                <a:solidFill>
+                  <a:schemeClr val="accent1"/>
+                </a:solidFill>
+              </a:rPr>
+              <a:t>API-Football.com</a:t>
+            </a:r>
+          </a:p>
+          <a:p>
+            <a:pPr marL="285750" indent="-285750"/>
+            <a:r>
+              <a:rPr lang="en-US" sz="2800" b="1" dirty="0">
+                <a:solidFill>
+                  <a:schemeClr val="accent1"/>
+                </a:solidFill>
+              </a:rPr>
+              <a:t>Trello</a:t>
+            </a:r>
+          </a:p>
+          <a:p>
+            <a:pPr marL="285750" indent="-285750"/>
+            <a:r>
+              <a:rPr lang="en-US" sz="2800" b="1" dirty="0">
+                <a:solidFill>
+                  <a:schemeClr val="accent1"/>
+                </a:solidFill>
+              </a:rPr>
+              <a:t>Postman</a:t>
             </a:r>
             <a:endParaRPr lang="en-US" sz="2800" dirty="0">
               <a:solidFill>
@@ -12252,10 +12282,10 @@
       </p:sp>
       <p:sp>
         <p:nvSpPr>
-          <p:cNvPr id="2" name="Google Shape;179;p20">
+          <p:cNvPr id="3" name="Google Shape;179;p20">
             <a:extLst>
               <a:ext uri="{FF2B5EF4-FFF2-40B4-BE49-F238E27FC236}">
-                <a16:creationId xmlns:a16="http://schemas.microsoft.com/office/drawing/2014/main" id="{CEE6B54D-3948-B0F6-AD53-5825F8649ACF}"/>
+                <a16:creationId xmlns:a16="http://schemas.microsoft.com/office/drawing/2014/main" id="{031310DA-937B-7CEC-12BA-1CD0E7AA49DF}"/>
               </a:ext>
             </a:extLst>
           </p:cNvPr>
@@ -12266,8 +12296,8 @@
         </p:nvSpPr>
         <p:spPr>
           <a:xfrm>
-            <a:off x="327102" y="987315"/>
-            <a:ext cx="6087600" cy="3416400"/>
+            <a:off x="219308" y="863549"/>
+            <a:ext cx="6999247" cy="3865335"/>
           </a:xfrm>
           <a:prstGeom prst="rect">
             <a:avLst/>
@@ -12279,7 +12309,7 @@
         </p:spPr>
         <p:txBody>
           <a:bodyPr spcFirstLastPara="1" wrap="square" lIns="91425" tIns="91425" rIns="91425" bIns="91425" anchor="t" anchorCtr="0">
-            <a:normAutofit/>
+            <a:normAutofit lnSpcReduction="10000"/>
           </a:bodyPr>
           <a:lstStyle>
             <a:defPPr marR="0" lvl="0" algn="l" rtl="0">
@@ -12531,90 +12561,141 @@
           <a:p>
             <a:pPr marL="285750" indent="-285750"/>
             <a:r>
-              <a:rPr lang="en-US" sz="1400" dirty="0">
+              <a:rPr lang="en-US" sz="1800" dirty="0">
                 <a:solidFill>
                   <a:schemeClr val="tx1"/>
                 </a:solidFill>
               </a:rPr>
-              <a:t>Outlined the general flow of the game (difficulty level, layout, user input)</a:t>
+              <a:t>Scouted for a suitable API from the given list</a:t>
             </a:r>
           </a:p>
           <a:p>
-            <a:pPr marL="342900" indent="-342900"/>
+            <a:pPr marL="285750" indent="-285750"/>
             <a:r>
-              <a:rPr lang="en-US" sz="1400" dirty="0">
+              <a:rPr lang="en-US" sz="1800" dirty="0">
                 <a:solidFill>
                   <a:schemeClr val="tx1"/>
                 </a:solidFill>
               </a:rPr>
-              <a:t>Created a wireframe diagram on user interface of the game</a:t>
+              <a:t>Explored chosen API by fetching data in Postman</a:t>
             </a:r>
           </a:p>
           <a:p>
-            <a:pPr marL="342900" indent="-342900"/>
+            <a:pPr marL="285750" indent="-285750"/>
             <a:r>
-              <a:rPr lang="en-US" sz="1400" dirty="0">
+              <a:rPr lang="en-US" sz="1800" dirty="0">
                 <a:solidFill>
                   <a:schemeClr val="tx1"/>
                 </a:solidFill>
               </a:rPr>
-              <a:t>Created “containers” for different segments of the game</a:t>
+              <a:t>Decided on the data to be fetched (country, leagues, year)</a:t>
             </a:r>
           </a:p>
           <a:p>
-            <a:pPr marL="342900" indent="-342900"/>
+            <a:pPr marL="285750" indent="-285750"/>
             <a:r>
-              <a:rPr lang="en-US" sz="1400" dirty="0">
+              <a:rPr lang="en-US" sz="1800" dirty="0">
                 <a:solidFill>
                   <a:schemeClr val="tx1"/>
                 </a:solidFill>
               </a:rPr>
-              <a:t>Created the functions to generate questions using the 4 operators</a:t>
+              <a:t>Planned out User Stories for the app</a:t>
             </a:r>
           </a:p>
           <a:p>
-            <a:pPr marL="342900" indent="-342900"/>
+            <a:pPr marL="285750" indent="-285750"/>
             <a:r>
-              <a:rPr lang="en-US" sz="1400" dirty="0">
+              <a:rPr lang="en-US" sz="1800" dirty="0">
                 <a:solidFill>
                   <a:schemeClr val="tx1"/>
                 </a:solidFill>
               </a:rPr>
-              <a:t>Created the function to define the difficulty level</a:t>
+              <a:t>Created a wireframe diagram on the various user interface of the app</a:t>
             </a:r>
           </a:p>
           <a:p>
-            <a:pPr marL="342900" indent="-342900"/>
+            <a:pPr marL="285750" indent="-285750"/>
             <a:r>
-              <a:rPr lang="en-US" sz="1400" dirty="0">
+              <a:rPr lang="en-US" sz="1800" dirty="0">
                 <a:solidFill>
                   <a:schemeClr val="tx1"/>
                 </a:solidFill>
               </a:rPr>
-              <a:t>Created the function to link the difficulty level to generate the problem equations</a:t>
+              <a:t>Identified and created the components needed</a:t>
             </a:r>
           </a:p>
           <a:p>
-            <a:pPr marL="342900" indent="-342900"/>
+            <a:pPr marL="285750" indent="-285750"/>
             <a:r>
-              <a:rPr lang="en-US" sz="1400" dirty="0">
+              <a:rPr lang="en-US" sz="1800" dirty="0">
                 <a:solidFill>
                   <a:schemeClr val="tx1"/>
                 </a:solidFill>
               </a:rPr>
-              <a:t>Created the function to drag and drop the answer instead of just clicking</a:t>
+              <a:t>Created functions for various components to achieve the intended output</a:t>
             </a:r>
           </a:p>
           <a:p>
-            <a:pPr marL="342900" indent="-342900"/>
+            <a:pPr marL="285750" indent="-285750"/>
             <a:r>
-              <a:rPr lang="en-US" sz="1400" dirty="0">
+              <a:rPr lang="en-US" sz="1800" dirty="0">
                 <a:solidFill>
                   <a:schemeClr val="tx1"/>
                 </a:solidFill>
               </a:rPr>
-              <a:t>Finalize appearance of game by adjusting borders, font and background colors</a:t>
+              <a:t>Created </a:t>
             </a:r>
+            <a:r>
+              <a:rPr lang="en-US" sz="1800" dirty="0" err="1">
+                <a:solidFill>
+                  <a:schemeClr val="tx1"/>
+                </a:solidFill>
+              </a:rPr>
+              <a:t>Airtable</a:t>
+            </a:r>
+            <a:r>
+              <a:rPr lang="en-US" sz="1800" dirty="0">
+                <a:solidFill>
+                  <a:schemeClr val="tx1"/>
+                </a:solidFill>
+              </a:rPr>
+              <a:t> and decided on the data to be created and stored in </a:t>
+            </a:r>
+            <a:r>
+              <a:rPr lang="en-US" sz="1800" dirty="0" err="1">
+                <a:solidFill>
+                  <a:schemeClr val="tx1"/>
+                </a:solidFill>
+              </a:rPr>
+              <a:t>Airtable</a:t>
+            </a:r>
+            <a:r>
+              <a:rPr lang="en-US" sz="1800" dirty="0">
+                <a:solidFill>
+                  <a:schemeClr val="tx1"/>
+                </a:solidFill>
+              </a:rPr>
+              <a:t> API</a:t>
+            </a:r>
+          </a:p>
+          <a:p>
+            <a:pPr marL="285750" indent="-285750"/>
+            <a:r>
+              <a:rPr lang="en-US" sz="1800" dirty="0">
+                <a:solidFill>
+                  <a:schemeClr val="tx1"/>
+                </a:solidFill>
+              </a:rPr>
+              <a:t>Finalize the appearance of the app </a:t>
+            </a:r>
+          </a:p>
+          <a:p>
+            <a:pPr marL="285750" indent="-285750"/>
+            <a:endParaRPr lang="en-US" sz="1400" dirty="0">
+              <a:solidFill>
+                <a:schemeClr val="tx1"/>
+              </a:solidFill>
+            </a:endParaRPr>
           </a:p>
           <a:p>
             <a:pPr marL="342900" indent="-342900">
@@ -12809,10 +12890,10 @@
               <a:buNone/>
             </a:pPr>
             <a:r>
-              <a:rPr lang="en"/>
+              <a:rPr lang="en" dirty="0"/>
               <a:t>What I learnt</a:t>
             </a:r>
-            <a:endParaRPr/>
+            <a:endParaRPr dirty="0"/>
           </a:p>
         </p:txBody>
       </p:sp>
@@ -12887,7 +12968,7 @@
         </p:spPr>
         <p:txBody>
           <a:bodyPr spcFirstLastPara="1" wrap="square" lIns="91425" tIns="91425" rIns="91425" bIns="91425" anchor="t" anchorCtr="0">
-            <a:normAutofit/>
+            <a:normAutofit lnSpcReduction="10000"/>
           </a:bodyPr>
           <a:lstStyle>
             <a:defPPr marR="0" lvl="0" algn="l" rtl="0">
@@ -13150,26 +13231,29 @@
             <a:pPr marL="285750" indent="-285750"/>
             <a:r>
               <a:rPr lang="en-US" sz="1600" b="1" dirty="0"/>
-              <a:t>Drag and drop function</a:t>
+              <a:t>Importance of carefully choosing an API</a:t>
             </a:r>
           </a:p>
           <a:p>
             <a:pPr marL="285750" indent="-285750"/>
             <a:r>
               <a:rPr lang="en-US" sz="1600" b="1" dirty="0"/>
-              <a:t>‘Hide’ and ‘Show’ </a:t>
+              <a:t>Components are important parts of an app especially when dealing with multiple categories </a:t>
             </a:r>
           </a:p>
           <a:p>
             <a:pPr marL="285750" indent="-285750"/>
             <a:r>
               <a:rPr lang="en-US" sz="1600" b="1" dirty="0"/>
-              <a:t>Alot of planning and coding for such a simple game</a:t>
+              <a:t>Manage time properly when researching for new methods  and revising methods that are taught</a:t>
             </a:r>
           </a:p>
           <a:p>
             <a:pPr marL="285750" indent="-285750"/>
-            <a:endParaRPr lang="en-US" sz="1600" b="1" dirty="0"/>
+            <a:r>
+              <a:rPr lang="en-US" sz="1600" b="1" dirty="0"/>
+              <a:t>There is not a “fixed way’’ to achieve a desired output. Exploring is key.</a:t>
+            </a:r>
           </a:p>
           <a:p>
             <a:pPr marL="0" indent="0">
@@ -13189,22 +13273,22 @@
           <a:p>
             <a:pPr marL="285750" indent="-285750"/>
             <a:r>
-              <a:rPr lang="en-US" sz="1600" dirty="0"/>
-              <a:t>Make use of online information more frequently</a:t>
+              <a:rPr lang="en-US" sz="1600" b="1" dirty="0"/>
+              <a:t>Manage time properly when exploring for different methods.</a:t>
             </a:r>
           </a:p>
           <a:p>
             <a:pPr marL="285750" indent="-285750"/>
             <a:r>
-              <a:rPr lang="en-US" sz="1600" dirty="0"/>
-              <a:t>Never underestimate the task of designing the appearance of the game</a:t>
+              <a:rPr lang="en-US" sz="1600" b="1" dirty="0"/>
+              <a:t>Manage my components neatly</a:t>
             </a:r>
           </a:p>
           <a:p>
             <a:pPr marL="285750" indent="-285750"/>
             <a:r>
-              <a:rPr lang="en-US" sz="1600" dirty="0"/>
-              <a:t>Explore further to make the appearance of game more appealing</a:t>
+              <a:rPr lang="en-US" sz="1600" b="1" dirty="0"/>
+              <a:t>Have a better app cosmetics</a:t>
             </a:r>
           </a:p>
           <a:p>

--- a/Unit 2 Project.pptx
+++ b/Unit 2 Project.pptx
@@ -1053,7 +1053,26 @@
               </a:spcAft>
               <a:buNone/>
             </a:pPr>
-            <a:endParaRPr/>
+            <a:r>
+              <a:rPr lang="en-SG" dirty="0"/>
+              <a:t>*not part of tech stack</a:t>
+            </a:r>
+            <a:br>
+              <a:rPr lang="en-SG" dirty="0"/>
+            </a:br>
+            <a:r>
+              <a:rPr lang="en-SG" dirty="0"/>
+              <a:t>if you </a:t>
+            </a:r>
+            <a:r>
+              <a:rPr lang="en-SG"/>
+              <a:t>install any </a:t>
+            </a:r>
+            <a:r>
+              <a:rPr lang="en-SG" dirty="0"/>
+              <a:t>package, can include part of tech stack</a:t>
+            </a:r>
+            <a:endParaRPr dirty="0"/>
           </a:p>
         </p:txBody>
       </p:sp>
@@ -11836,7 +11855,7 @@
         </p:spPr>
         <p:txBody>
           <a:bodyPr spcFirstLastPara="1" wrap="square" lIns="91425" tIns="91425" rIns="91425" bIns="91425" anchor="t" anchorCtr="0">
-            <a:normAutofit/>
+            <a:normAutofit lnSpcReduction="10000"/>
           </a:bodyPr>
           <a:lstStyle>
             <a:defPPr marR="0" lvl="0" algn="l" rtl="0">
@@ -12125,13 +12144,21 @@
           </a:p>
           <a:p>
             <a:pPr marL="285750" indent="-285750"/>
+            <a:endParaRPr lang="en-US" sz="2800" b="1" dirty="0">
+              <a:solidFill>
+                <a:schemeClr val="accent1"/>
+              </a:solidFill>
+            </a:endParaRPr>
+          </a:p>
+          <a:p>
+            <a:pPr marL="285750" indent="-285750"/>
             <a:r>
               <a:rPr lang="en-US" sz="2800" b="1" dirty="0">
                 <a:solidFill>
                   <a:schemeClr val="accent1"/>
                 </a:solidFill>
               </a:rPr>
-              <a:t>API-Football.com</a:t>
+              <a:t>*API-Football.com</a:t>
             </a:r>
           </a:p>
           <a:p>
@@ -12142,7 +12169,7 @@
                   <a:schemeClr val="accent1"/>
                 </a:solidFill>
               </a:rPr>
-              <a:t>Trello</a:t>
+              <a:t>*Trello</a:t>
             </a:r>
           </a:p>
           <a:p>
@@ -12153,7 +12180,7 @@
                   <a:schemeClr val="accent1"/>
                 </a:solidFill>
               </a:rPr>
-              <a:t>Postman</a:t>
+              <a:t>*Postman</a:t>
             </a:r>
             <a:endParaRPr lang="en-US" sz="2800" dirty="0">
               <a:solidFill>
@@ -12223,14 +12250,14 @@
               <a:buNone/>
             </a:pPr>
             <a:r>
-              <a:rPr lang="en">
+              <a:rPr lang="en" dirty="0">
                 <a:solidFill>
                   <a:srgbClr val="0000FF"/>
                 </a:solidFill>
               </a:rPr>
               <a:t>The Planning Process</a:t>
             </a:r>
-            <a:endParaRPr>
+            <a:endParaRPr dirty="0">
               <a:solidFill>
                 <a:srgbClr val="0000FF"/>
               </a:solidFill>
